--- a/Project1/documentation.pptx
+++ b/Project1/documentation.pptx
@@ -5,13 +5,15 @@
     <p:sldMasterId id="2147483673" r:id="rId1"/>
   </p:sldMasterIdLst>
   <p:notesMasterIdLst>
-    <p:notesMasterId r:id="rId6"/>
+    <p:notesMasterId r:id="rId8"/>
   </p:notesMasterIdLst>
   <p:sldIdLst>
     <p:sldId id="256" r:id="rId2"/>
     <p:sldId id="257" r:id="rId3"/>
-    <p:sldId id="258" r:id="rId4"/>
-    <p:sldId id="259" r:id="rId5"/>
+    <p:sldId id="261" r:id="rId4"/>
+    <p:sldId id="258" r:id="rId5"/>
+    <p:sldId id="259" r:id="rId6"/>
+    <p:sldId id="260" r:id="rId7"/>
   </p:sldIdLst>
   <p:sldSz cx="12192000" cy="6858000"/>
   <p:notesSz cx="6858000" cy="9144000"/>
@@ -532,7 +534,7 @@
           <a:p>
             <a:fld id="{187FE202-6755-664A-9DF1-E1D46F26E7AB}" type="slidenum">
               <a:rPr lang="en-US" smtClean="0"/>
-              <a:t>4</a:t>
+              <a:t>5</a:t>
             </a:fld>
             <a:endParaRPr lang="en-US"/>
           </a:p>
@@ -5867,7 +5869,7 @@
         <p:spPr>
           <a:xfrm>
             <a:off x="250824" y="254501"/>
-            <a:ext cx="8267296" cy="829263"/>
+            <a:ext cx="4957280" cy="829263"/>
           </a:xfrm>
         </p:spPr>
         <p:txBody>
@@ -5901,8 +5903,8 @@
         </p:nvSpPr>
         <p:spPr>
           <a:xfrm>
-            <a:off x="407986" y="1083764"/>
-            <a:ext cx="11533189" cy="2421436"/>
+            <a:off x="116439" y="1203032"/>
+            <a:ext cx="5688014" cy="5654968"/>
           </a:xfrm>
           <a:solidFill>
             <a:schemeClr val="bg1"/>
@@ -5910,72 +5912,262 @@
         </p:spPr>
         <p:txBody>
           <a:bodyPr>
-            <a:normAutofit fontScale="85000" lnSpcReduction="20000"/>
+            <a:normAutofit/>
           </a:bodyPr>
           <a:lstStyle/>
           <a:p>
             <a:r>
               <a:rPr lang="en-US" dirty="0"/>
-              <a:t>IGPS data was split up by visits</a:t>
+              <a:t>Built a Radial Basis Function (RBF) Neural Network</a:t>
             </a:r>
           </a:p>
           <a:p>
             <a:pPr lvl="1"/>
             <a:r>
               <a:rPr lang="en-US" dirty="0"/>
-              <a:t>12 visits total, but only 11 with enough data (last visit has only 5 entries)</a:t>
-            </a:r>
-          </a:p>
-          <a:p>
+              <a:t>Gaussian as the RBF kernel. Designed it to have three different modes for covariance (one value, </a:t>
+            </a:r>
+            <a:r>
+              <a:rPr lang="en-US" dirty="0">
+                <a:solidFill>
+                  <a:srgbClr val="FF0000"/>
+                </a:solidFill>
+              </a:rPr>
+              <a:t>one value per node</a:t>
+            </a:r>
             <a:r>
               <a:rPr lang="en-US" dirty="0"/>
-              <a:t>Clustered each visit independently utilizing FCM (may not be the best, since after the first visit the clusters haven’t been verified)</a:t>
+              <a:t>, full covariance matrix).</a:t>
             </a:r>
           </a:p>
           <a:p>
             <a:r>
               <a:rPr lang="en-US" dirty="0"/>
-              <a:t>Extract the memberships from each patient at each time step (feature vector sample below)</a:t>
+              <a:t>Initialize centers of RBF utilizing the centers found in the first IGPS visit</a:t>
             </a:r>
           </a:p>
           <a:p>
             <a:r>
               <a:rPr lang="en-US" dirty="0"/>
-              <a:t>Since this is time series, I utilized a Dynamic Time Warping (DTW) algorithm to construct an affinity matrix (No jargon: I am encoding the relationship/similarity between each trajectory)</a:t>
-            </a:r>
-          </a:p>
-        </p:txBody>
-      </p:sp>
-      <p:pic>
-        <p:nvPicPr>
-          <p:cNvPr id="5" name="Picture 4" descr="A screenshot of a table&#10;&#10;Description automatically generated">
-            <a:extLst>
-              <a:ext uri="{FF2B5EF4-FFF2-40B4-BE49-F238E27FC236}">
-                <a16:creationId xmlns:a16="http://schemas.microsoft.com/office/drawing/2014/main" id="{6DB4F69A-2814-7283-C83C-AC65274FE8B7}"/>
-              </a:ext>
-            </a:extLst>
-          </p:cNvPr>
-          <p:cNvPicPr>
-            <a:picLocks noChangeAspect="1"/>
-          </p:cNvPicPr>
+              <a:t>Trying to predict the next time steps “ProgressionStructure1” feature</a:t>
+            </a:r>
+          </a:p>
+        </p:txBody>
+      </p:sp>
+      <p:sp>
+        <p:nvSpPr>
+          <p:cNvPr id="7" name="Content Placeholder 2">
+            <a:extLst>
+              <a:ext uri="{FF2B5EF4-FFF2-40B4-BE49-F238E27FC236}">
+                <a16:creationId xmlns:a16="http://schemas.microsoft.com/office/drawing/2014/main" id="{F7A876C6-6865-EF42-2D15-F66A8A4B591B}"/>
+              </a:ext>
+            </a:extLst>
+          </p:cNvPr>
+          <p:cNvSpPr txBox="1">
+            <a:spLocks/>
+          </p:cNvSpPr>
           <p:nvPr/>
-        </p:nvPicPr>
-        <p:blipFill>
-          <a:blip r:embed="rId2"/>
-          <a:stretch>
-            <a:fillRect/>
-          </a:stretch>
-        </p:blipFill>
-        <p:spPr>
-          <a:xfrm>
-            <a:off x="941388" y="3505200"/>
-            <a:ext cx="9918700" cy="3352800"/>
+        </p:nvSpPr>
+        <p:spPr>
+          <a:xfrm>
+            <a:off x="6096000" y="1083764"/>
+            <a:ext cx="5845176" cy="5774236"/>
           </a:xfrm>
           <a:prstGeom prst="rect">
             <a:avLst/>
           </a:prstGeom>
-        </p:spPr>
-      </p:pic>
+          <a:solidFill>
+            <a:schemeClr val="bg1"/>
+          </a:solidFill>
+        </p:spPr>
+        <p:txBody>
+          <a:bodyPr vert="horz" lIns="91440" tIns="45720" rIns="91440" bIns="45720" rtlCol="0">
+            <a:normAutofit/>
+          </a:bodyPr>
+          <a:lstStyle>
+            <a:lvl1pPr marL="228600" indent="-228600" algn="l" defTabSz="914400" rtl="0" eaLnBrk="1" latinLnBrk="0" hangingPunct="1">
+              <a:lnSpc>
+                <a:spcPct val="100000"/>
+              </a:lnSpc>
+              <a:spcBef>
+                <a:spcPts val="1000"/>
+              </a:spcBef>
+              <a:buFont typeface="System Font Regular"/>
+              <a:buChar char="–"/>
+              <a:defRPr sz="2400" b="0" i="0" kern="1200">
+                <a:solidFill>
+                  <a:schemeClr val="tx1"/>
+                </a:solidFill>
+                <a:latin typeface="+mn-lt"/>
+                <a:ea typeface="+mn-ea"/>
+                <a:cs typeface="+mn-cs"/>
+              </a:defRPr>
+            </a:lvl1pPr>
+            <a:lvl2pPr marL="685800" indent="-228600" algn="l" defTabSz="914400" rtl="0" eaLnBrk="1" latinLnBrk="0" hangingPunct="1">
+              <a:lnSpc>
+                <a:spcPct val="100000"/>
+              </a:lnSpc>
+              <a:spcBef>
+                <a:spcPts val="500"/>
+              </a:spcBef>
+              <a:buFont typeface="System Font Regular"/>
+              <a:buChar char="–"/>
+              <a:defRPr sz="2000" b="0" i="0" kern="1200">
+                <a:solidFill>
+                  <a:schemeClr val="tx1"/>
+                </a:solidFill>
+                <a:latin typeface="+mn-lt"/>
+                <a:ea typeface="+mn-ea"/>
+                <a:cs typeface="+mn-cs"/>
+              </a:defRPr>
+            </a:lvl2pPr>
+            <a:lvl3pPr marL="1143000" indent="-228600" algn="l" defTabSz="914400" rtl="0" eaLnBrk="1" latinLnBrk="0" hangingPunct="1">
+              <a:lnSpc>
+                <a:spcPct val="100000"/>
+              </a:lnSpc>
+              <a:spcBef>
+                <a:spcPts val="500"/>
+              </a:spcBef>
+              <a:buFont typeface="System Font Regular"/>
+              <a:buChar char="–"/>
+              <a:defRPr sz="1800" b="0" i="0" kern="1200">
+                <a:solidFill>
+                  <a:schemeClr val="tx1"/>
+                </a:solidFill>
+                <a:latin typeface="+mn-lt"/>
+                <a:ea typeface="+mn-ea"/>
+                <a:cs typeface="+mn-cs"/>
+              </a:defRPr>
+            </a:lvl3pPr>
+            <a:lvl4pPr marL="1600200" indent="-228600" algn="l" defTabSz="914400" rtl="0" eaLnBrk="1" latinLnBrk="0" hangingPunct="1">
+              <a:lnSpc>
+                <a:spcPct val="100000"/>
+              </a:lnSpc>
+              <a:spcBef>
+                <a:spcPts val="500"/>
+              </a:spcBef>
+              <a:buFont typeface="System Font Regular"/>
+              <a:buChar char="–"/>
+              <a:defRPr sz="1600" b="0" i="0" kern="1200">
+                <a:solidFill>
+                  <a:schemeClr val="tx1"/>
+                </a:solidFill>
+                <a:latin typeface="+mn-lt"/>
+                <a:ea typeface="+mn-ea"/>
+                <a:cs typeface="+mn-cs"/>
+              </a:defRPr>
+            </a:lvl4pPr>
+            <a:lvl5pPr marL="2057400" indent="-228600" algn="l" defTabSz="914400" rtl="0" eaLnBrk="1" latinLnBrk="0" hangingPunct="1">
+              <a:lnSpc>
+                <a:spcPct val="100000"/>
+              </a:lnSpc>
+              <a:spcBef>
+                <a:spcPts val="500"/>
+              </a:spcBef>
+              <a:buFont typeface="System Font Regular"/>
+              <a:buChar char="–"/>
+              <a:defRPr sz="1600" b="0" i="0" kern="1200">
+                <a:solidFill>
+                  <a:schemeClr val="tx1"/>
+                </a:solidFill>
+                <a:latin typeface="+mn-lt"/>
+                <a:ea typeface="+mn-ea"/>
+                <a:cs typeface="+mn-cs"/>
+              </a:defRPr>
+            </a:lvl5pPr>
+            <a:lvl6pPr marL="2514600" indent="-228600" algn="l" defTabSz="914400" rtl="0" eaLnBrk="1" latinLnBrk="0" hangingPunct="1">
+              <a:lnSpc>
+                <a:spcPct val="90000"/>
+              </a:lnSpc>
+              <a:spcBef>
+                <a:spcPts val="500"/>
+              </a:spcBef>
+              <a:buFont typeface="Arial" panose="020B0604020202020204" pitchFamily="34" charset="0"/>
+              <a:buChar char="•"/>
+              <a:defRPr sz="1800" kern="1200">
+                <a:solidFill>
+                  <a:schemeClr val="tx1"/>
+                </a:solidFill>
+                <a:latin typeface="+mn-lt"/>
+                <a:ea typeface="+mn-ea"/>
+                <a:cs typeface="+mn-cs"/>
+              </a:defRPr>
+            </a:lvl6pPr>
+            <a:lvl7pPr marL="2971800" indent="-228600" algn="l" defTabSz="914400" rtl="0" eaLnBrk="1" latinLnBrk="0" hangingPunct="1">
+              <a:lnSpc>
+                <a:spcPct val="90000"/>
+              </a:lnSpc>
+              <a:spcBef>
+                <a:spcPts val="500"/>
+              </a:spcBef>
+              <a:buFont typeface="Arial" panose="020B0604020202020204" pitchFamily="34" charset="0"/>
+              <a:buChar char="•"/>
+              <a:defRPr sz="1800" kern="1200">
+                <a:solidFill>
+                  <a:schemeClr val="tx1"/>
+                </a:solidFill>
+                <a:latin typeface="+mn-lt"/>
+                <a:ea typeface="+mn-ea"/>
+                <a:cs typeface="+mn-cs"/>
+              </a:defRPr>
+            </a:lvl7pPr>
+            <a:lvl8pPr marL="3429000" indent="-228600" algn="l" defTabSz="914400" rtl="0" eaLnBrk="1" latinLnBrk="0" hangingPunct="1">
+              <a:lnSpc>
+                <a:spcPct val="90000"/>
+              </a:lnSpc>
+              <a:spcBef>
+                <a:spcPts val="500"/>
+              </a:spcBef>
+              <a:buFont typeface="Arial" panose="020B0604020202020204" pitchFamily="34" charset="0"/>
+              <a:buChar char="•"/>
+              <a:defRPr sz="1800" kern="1200">
+                <a:solidFill>
+                  <a:schemeClr val="tx1"/>
+                </a:solidFill>
+                <a:latin typeface="+mn-lt"/>
+                <a:ea typeface="+mn-ea"/>
+                <a:cs typeface="+mn-cs"/>
+              </a:defRPr>
+            </a:lvl8pPr>
+            <a:lvl9pPr marL="3886200" indent="-228600" algn="l" defTabSz="914400" rtl="0" eaLnBrk="1" latinLnBrk="0" hangingPunct="1">
+              <a:lnSpc>
+                <a:spcPct val="90000"/>
+              </a:lnSpc>
+              <a:spcBef>
+                <a:spcPts val="500"/>
+              </a:spcBef>
+              <a:buFont typeface="Arial" panose="020B0604020202020204" pitchFamily="34" charset="0"/>
+              <a:buChar char="•"/>
+              <a:defRPr sz="1800" kern="1200">
+                <a:solidFill>
+                  <a:schemeClr val="tx1"/>
+                </a:solidFill>
+                <a:latin typeface="+mn-lt"/>
+                <a:ea typeface="+mn-ea"/>
+                <a:cs typeface="+mn-cs"/>
+              </a:defRPr>
+            </a:lvl9pPr>
+          </a:lstStyle>
+          <a:p>
+            <a:r>
+              <a:rPr lang="en-US" dirty="0"/>
+              <a:t>Current RBF setup has 3 RBF nodes, reason being we had 3 clusters for IGPS</a:t>
+            </a:r>
+          </a:p>
+          <a:p>
+            <a:r>
+              <a:rPr lang="en-US" dirty="0"/>
+              <a:t>Covariance initialization is at 0.5 with one value per RBF node, allowed for the updating of the covariance values using SGD</a:t>
+            </a:r>
+          </a:p>
+          <a:p>
+            <a:r>
+              <a:rPr lang="en-US" dirty="0"/>
+              <a:t>Learning rate: 0.01 (here for the future)</a:t>
+            </a:r>
+          </a:p>
+        </p:txBody>
+      </p:sp>
     </p:spTree>
     <p:extLst>
       <p:ext uri="{BB962C8B-B14F-4D97-AF65-F5344CB8AC3E}">
@@ -6011,7 +6203,7 @@
           <p:cNvPr id="2" name="Title 1">
             <a:extLst>
               <a:ext uri="{FF2B5EF4-FFF2-40B4-BE49-F238E27FC236}">
-                <a16:creationId xmlns:a16="http://schemas.microsoft.com/office/drawing/2014/main" id="{871704FB-2ECA-1D38-C46C-0015E80AF9C8}"/>
+                <a16:creationId xmlns:a16="http://schemas.microsoft.com/office/drawing/2014/main" id="{B0C71661-48B3-81B4-285C-E153BA804A9B}"/>
               </a:ext>
             </a:extLst>
           </p:cNvPr>
@@ -6024,8 +6216,8 @@
         </p:nvSpPr>
         <p:spPr>
           <a:xfrm>
-            <a:off x="265111" y="182247"/>
-            <a:ext cx="9636126" cy="795529"/>
+            <a:off x="565150" y="210808"/>
+            <a:ext cx="4709216" cy="915627"/>
           </a:xfrm>
         </p:spPr>
         <p:txBody>
@@ -6034,7 +6226,7 @@
           <a:p>
             <a:r>
               <a:rPr lang="en-US" dirty="0"/>
-              <a:t>Experiment Setup Cont.</a:t>
+              <a:t>Experiments Cont.</a:t>
             </a:r>
           </a:p>
         </p:txBody>
@@ -6044,7 +6236,7 @@
           <p:cNvPr id="3" name="Content Placeholder 2">
             <a:extLst>
               <a:ext uri="{FF2B5EF4-FFF2-40B4-BE49-F238E27FC236}">
-                <a16:creationId xmlns:a16="http://schemas.microsoft.com/office/drawing/2014/main" id="{0EA98D8D-DD63-2EEE-DCAB-E46B6FADE0F1}"/>
+                <a16:creationId xmlns:a16="http://schemas.microsoft.com/office/drawing/2014/main" id="{FEA2C60E-E859-EA5E-2C27-0039BB6B98CF}"/>
               </a:ext>
             </a:extLst>
           </p:cNvPr>
@@ -6057,8 +6249,8 @@
         </p:nvSpPr>
         <p:spPr>
           <a:xfrm>
-            <a:off x="565150" y="1257300"/>
-            <a:ext cx="4506913" cy="4622924"/>
+            <a:off x="565150" y="1439517"/>
+            <a:ext cx="4709216" cy="4753789"/>
           </a:xfrm>
         </p:spPr>
         <p:txBody>
@@ -6067,35 +6259,38 @@
           <a:p>
             <a:r>
               <a:rPr lang="en-US" dirty="0"/>
-              <a:t>Fed the DTW affinity matrix to a spectral clustering algorithm</a:t>
-            </a:r>
-          </a:p>
-          <a:p>
+              <a:t>With original 12-dimensional feature set, weak results:</a:t>
+            </a:r>
+          </a:p>
+          <a:p>
+            <a:pPr lvl="1"/>
             <a:r>
               <a:rPr lang="en-US" dirty="0"/>
-              <a:t>Peak silhouette score was at 15 clusters</a:t>
-            </a:r>
-          </a:p>
-          <a:p>
+              <a:t>Accuracy Score: 0.552</a:t>
+            </a:r>
+          </a:p>
+          <a:p>
+            <a:pPr lvl="1"/>
             <a:r>
               <a:rPr lang="en-US" dirty="0"/>
-              <a:t>Any other cluster validity measures I should try ?</a:t>
-            </a:r>
-          </a:p>
-          <a:p>
+              <a:t>Precision Score: 0.5542168674698795</a:t>
+            </a:r>
+          </a:p>
+          <a:p>
+            <a:pPr lvl="1"/>
             <a:r>
               <a:rPr lang="en-US" dirty="0"/>
-              <a:t>Next, I use spectral clustering with k=15 to group the trajectories</a:t>
+              <a:t>Recall Score: 0.7076923076923077</a:t>
             </a:r>
           </a:p>
         </p:txBody>
       </p:sp>
       <p:pic>
         <p:nvPicPr>
-          <p:cNvPr id="7" name="Picture 6" descr="A graph with blue lines and numbers&#10;&#10;Description automatically generated">
-            <a:extLst>
-              <a:ext uri="{FF2B5EF4-FFF2-40B4-BE49-F238E27FC236}">
-                <a16:creationId xmlns:a16="http://schemas.microsoft.com/office/drawing/2014/main" id="{DB6FD451-FB67-AFC6-1E75-FFFAA7CD75BE}"/>
+          <p:cNvPr id="4" name="Picture 3" descr="A diagram of a confusion matrix&#10;&#10;Description automatically generated">
+            <a:extLst>
+              <a:ext uri="{FF2B5EF4-FFF2-40B4-BE49-F238E27FC236}">
+                <a16:creationId xmlns:a16="http://schemas.microsoft.com/office/drawing/2014/main" id="{5B9B9D78-8B76-0E43-2722-FB2B2655C2B7}"/>
               </a:ext>
             </a:extLst>
           </p:cNvPr>
@@ -6112,8 +6307,8 @@
         </p:blipFill>
         <p:spPr>
           <a:xfrm>
-            <a:off x="5480050" y="1092076"/>
-            <a:ext cx="6711950" cy="5209752"/>
+            <a:off x="5649313" y="967410"/>
+            <a:ext cx="6950192" cy="5212644"/>
           </a:xfrm>
           <a:prstGeom prst="rect">
             <a:avLst/>
@@ -6123,7 +6318,7 @@
     </p:spTree>
     <p:extLst>
       <p:ext uri="{BB962C8B-B14F-4D97-AF65-F5344CB8AC3E}">
-        <p14:creationId xmlns:p14="http://schemas.microsoft.com/office/powerpoint/2010/main" val="1731753198"/>
+        <p14:creationId xmlns:p14="http://schemas.microsoft.com/office/powerpoint/2010/main" val="1074164099"/>
       </p:ext>
     </p:extLst>
   </p:cSld>
@@ -6155,6 +6350,160 @@
           <p:cNvPr id="2" name="Title 1">
             <a:extLst>
               <a:ext uri="{FF2B5EF4-FFF2-40B4-BE49-F238E27FC236}">
+                <a16:creationId xmlns:a16="http://schemas.microsoft.com/office/drawing/2014/main" id="{871704FB-2ECA-1D38-C46C-0015E80AF9C8}"/>
+              </a:ext>
+            </a:extLst>
+          </p:cNvPr>
+          <p:cNvSpPr>
+            <a:spLocks noGrp="1"/>
+          </p:cNvSpPr>
+          <p:nvPr>
+            <p:ph type="title"/>
+          </p:nvPr>
+        </p:nvSpPr>
+        <p:spPr>
+          <a:xfrm>
+            <a:off x="265111" y="182247"/>
+            <a:ext cx="9636126" cy="795529"/>
+          </a:xfrm>
+        </p:spPr>
+        <p:txBody>
+          <a:bodyPr/>
+          <a:lstStyle/>
+          <a:p>
+            <a:r>
+              <a:rPr lang="en-US" dirty="0"/>
+              <a:t>Experiment Cont.</a:t>
+            </a:r>
+          </a:p>
+        </p:txBody>
+      </p:sp>
+      <p:sp>
+        <p:nvSpPr>
+          <p:cNvPr id="3" name="Content Placeholder 2">
+            <a:extLst>
+              <a:ext uri="{FF2B5EF4-FFF2-40B4-BE49-F238E27FC236}">
+                <a16:creationId xmlns:a16="http://schemas.microsoft.com/office/drawing/2014/main" id="{0EA98D8D-DD63-2EEE-DCAB-E46B6FADE0F1}"/>
+              </a:ext>
+            </a:extLst>
+          </p:cNvPr>
+          <p:cNvSpPr>
+            <a:spLocks noGrp="1"/>
+          </p:cNvSpPr>
+          <p:nvPr>
+            <p:ph idx="1"/>
+          </p:nvPr>
+        </p:nvSpPr>
+        <p:spPr>
+          <a:xfrm>
+            <a:off x="565150" y="1257300"/>
+            <a:ext cx="4506913" cy="5600700"/>
+          </a:xfrm>
+        </p:spPr>
+        <p:txBody>
+          <a:bodyPr>
+            <a:normAutofit/>
+          </a:bodyPr>
+          <a:lstStyle/>
+          <a:p>
+            <a:r>
+              <a:rPr lang="en-US" dirty="0"/>
+              <a:t>Modifying the feature set to have the current time steps “</a:t>
+            </a:r>
+            <a:r>
+              <a:rPr lang="en-US" dirty="0" err="1"/>
+              <a:t>ProgressionStructure</a:t>
+            </a:r>
+            <a:r>
+              <a:rPr lang="en-US" dirty="0"/>
+              <a:t>” and “ProgressionStructure1” variable gave better results, but it is kind of cheating, won’t transfer to other data sets</a:t>
+            </a:r>
+          </a:p>
+          <a:p>
+            <a:r>
+              <a:rPr lang="en-US" dirty="0"/>
+              <a:t>Accuracy Score: 0.704</a:t>
+            </a:r>
+          </a:p>
+          <a:p>
+            <a:r>
+              <a:rPr lang="en-US" dirty="0"/>
+              <a:t>Precision Score: 0.6521739130434783</a:t>
+            </a:r>
+          </a:p>
+          <a:p>
+            <a:r>
+              <a:rPr lang="en-US" dirty="0"/>
+              <a:t>Recall Score: 0.9230769230769231</a:t>
+            </a:r>
+          </a:p>
+        </p:txBody>
+      </p:sp>
+      <p:pic>
+        <p:nvPicPr>
+          <p:cNvPr id="5" name="Picture 4" descr="A diagram of a confusion matrix&#10;&#10;Description automatically generated">
+            <a:extLst>
+              <a:ext uri="{FF2B5EF4-FFF2-40B4-BE49-F238E27FC236}">
+                <a16:creationId xmlns:a16="http://schemas.microsoft.com/office/drawing/2014/main" id="{FBDF087E-8E31-8DAA-9D9B-12750777BE6A}"/>
+              </a:ext>
+            </a:extLst>
+          </p:cNvPr>
+          <p:cNvPicPr>
+            <a:picLocks noChangeAspect="1"/>
+          </p:cNvPicPr>
+          <p:nvPr/>
+        </p:nvPicPr>
+        <p:blipFill>
+          <a:blip r:embed="rId2"/>
+          <a:stretch>
+            <a:fillRect/>
+          </a:stretch>
+        </p:blipFill>
+        <p:spPr>
+          <a:xfrm>
+            <a:off x="4724400" y="977776"/>
+            <a:ext cx="7467600" cy="5600700"/>
+          </a:xfrm>
+          <a:prstGeom prst="rect">
+            <a:avLst/>
+          </a:prstGeom>
+        </p:spPr>
+      </p:pic>
+    </p:spTree>
+    <p:extLst>
+      <p:ext uri="{BB962C8B-B14F-4D97-AF65-F5344CB8AC3E}">
+        <p14:creationId xmlns:p14="http://schemas.microsoft.com/office/powerpoint/2010/main" val="1731753198"/>
+      </p:ext>
+    </p:extLst>
+  </p:cSld>
+  <p:clrMapOvr>
+    <a:masterClrMapping/>
+  </p:clrMapOvr>
+</p:sld>
+</file>
+
+<file path=ppt/slides/slide5.xml><?xml version="1.0" encoding="utf-8"?>
+<p:sld xmlns:a="http://schemas.openxmlformats.org/drawingml/2006/main" xmlns:r="http://schemas.openxmlformats.org/officeDocument/2006/relationships" xmlns:p="http://schemas.openxmlformats.org/presentationml/2006/main">
+  <p:cSld>
+    <p:spTree>
+      <p:nvGrpSpPr>
+        <p:cNvPr id="1" name=""/>
+        <p:cNvGrpSpPr/>
+        <p:nvPr/>
+      </p:nvGrpSpPr>
+      <p:grpSpPr>
+        <a:xfrm>
+          <a:off x="0" y="0"/>
+          <a:ext cx="0" cy="0"/>
+          <a:chOff x="0" y="0"/>
+          <a:chExt cx="0" cy="0"/>
+        </a:xfrm>
+      </p:grpSpPr>
+      <p:sp>
+        <p:nvSpPr>
+          <p:cNvPr id="2" name="Title 1">
+            <a:extLst>
+              <a:ext uri="{FF2B5EF4-FFF2-40B4-BE49-F238E27FC236}">
                 <a16:creationId xmlns:a16="http://schemas.microsoft.com/office/drawing/2014/main" id="{3831E668-580F-C2F1-0D46-5E94406DC470}"/>
               </a:ext>
             </a:extLst>
@@ -6176,7 +6525,10 @@
           <a:bodyPr/>
           <a:lstStyle/>
           <a:p>
-            <a:endParaRPr lang="en-US" dirty="0"/>
+            <a:r>
+              <a:rPr lang="en-US" dirty="0"/>
+              <a:t>Experiment Cont.</a:t>
+            </a:r>
           </a:p>
         </p:txBody>
       </p:sp>
@@ -6196,19 +6548,423 @@
             <p:ph idx="1"/>
           </p:nvPr>
         </p:nvSpPr>
-        <p:spPr/>
+        <p:spPr>
+          <a:xfrm>
+            <a:off x="565150" y="1524000"/>
+            <a:ext cx="5305563" cy="5341454"/>
+          </a:xfrm>
+        </p:spPr>
         <p:txBody>
           <a:bodyPr/>
           <a:lstStyle/>
           <a:p>
-            <a:endParaRPr lang="en-US"/>
-          </a:p>
-        </p:txBody>
-      </p:sp>
+            <a:r>
+              <a:rPr lang="en-US" dirty="0"/>
+              <a:t>Interesting finding as well, can get the same results as the last slide by removing most features from the feature vector.</a:t>
+            </a:r>
+          </a:p>
+          <a:p>
+            <a:r>
+              <a:rPr lang="en-US" dirty="0"/>
+              <a:t>Only keep:</a:t>
+            </a:r>
+          </a:p>
+          <a:p>
+            <a:pPr lvl="1"/>
+            <a:r>
+              <a:rPr lang="en-US" dirty="0"/>
+              <a:t> </a:t>
+            </a:r>
+            <a:r>
+              <a:rPr lang="en-US" sz="1800" dirty="0">
+                <a:solidFill>
+                  <a:srgbClr val="067D17"/>
+                </a:solidFill>
+                <a:effectLst/>
+                <a:latin typeface="JetBrains Mono"/>
+              </a:rPr>
+              <a:t>'IOP'</a:t>
+            </a:r>
+            <a:r>
+              <a:rPr lang="en-US" sz="1800" dirty="0">
+                <a:solidFill>
+                  <a:srgbClr val="080808"/>
+                </a:solidFill>
+                <a:effectLst/>
+                <a:latin typeface="JetBrains Mono"/>
+              </a:rPr>
+              <a:t>, </a:t>
+            </a:r>
+            <a:r>
+              <a:rPr lang="en-US" sz="1800" dirty="0">
+                <a:solidFill>
+                  <a:srgbClr val="067D17"/>
+                </a:solidFill>
+                <a:effectLst/>
+                <a:latin typeface="JetBrains Mono"/>
+              </a:rPr>
+              <a:t>'P1'</a:t>
+            </a:r>
+            <a:r>
+              <a:rPr lang="en-US" sz="1800" dirty="0">
+                <a:solidFill>
+                  <a:srgbClr val="080808"/>
+                </a:solidFill>
+                <a:effectLst/>
+                <a:latin typeface="JetBrains Mono"/>
+              </a:rPr>
+              <a:t>, </a:t>
+            </a:r>
+            <a:r>
+              <a:rPr lang="en-US" sz="1800" dirty="0">
+                <a:solidFill>
+                  <a:srgbClr val="067D17"/>
+                </a:solidFill>
+                <a:effectLst/>
+                <a:latin typeface="JetBrains Mono"/>
+              </a:rPr>
+              <a:t>'P5'</a:t>
+            </a:r>
+            <a:r>
+              <a:rPr lang="en-US" sz="1800" dirty="0">
+                <a:solidFill>
+                  <a:srgbClr val="080808"/>
+                </a:solidFill>
+                <a:effectLst/>
+                <a:latin typeface="JetBrains Mono"/>
+              </a:rPr>
+              <a:t>, </a:t>
+            </a:r>
+            <a:r>
+              <a:rPr lang="en-US" sz="1800" dirty="0">
+                <a:solidFill>
+                  <a:srgbClr val="067D17"/>
+                </a:solidFill>
+                <a:effectLst/>
+                <a:latin typeface="JetBrains Mono"/>
+              </a:rPr>
+              <a:t>'R4'</a:t>
+            </a:r>
+            <a:r>
+              <a:rPr lang="en-US" sz="1800" dirty="0">
+                <a:solidFill>
+                  <a:srgbClr val="080808"/>
+                </a:solidFill>
+                <a:effectLst/>
+                <a:latin typeface="JetBrains Mono"/>
+              </a:rPr>
+              <a:t>, </a:t>
+            </a:r>
+            <a:r>
+              <a:rPr lang="en-US" sz="1800" dirty="0">
+                <a:solidFill>
+                  <a:srgbClr val="067D17"/>
+                </a:solidFill>
+                <a:effectLst/>
+                <a:latin typeface="JetBrains Mono"/>
+              </a:rPr>
+              <a:t>'</a:t>
+            </a:r>
+            <a:r>
+              <a:rPr lang="en-US" sz="1800" dirty="0" err="1">
+                <a:solidFill>
+                  <a:srgbClr val="067D17"/>
+                </a:solidFill>
+                <a:effectLst/>
+                <a:latin typeface="JetBrains Mono"/>
+              </a:rPr>
+              <a:t>ProgressionStructure</a:t>
+            </a:r>
+            <a:r>
+              <a:rPr lang="en-US" sz="1800" dirty="0">
+                <a:solidFill>
+                  <a:srgbClr val="067D17"/>
+                </a:solidFill>
+                <a:effectLst/>
+                <a:latin typeface="JetBrains Mono"/>
+              </a:rPr>
+              <a:t>'</a:t>
+            </a:r>
+            <a:r>
+              <a:rPr lang="en-US" sz="1800" dirty="0">
+                <a:solidFill>
+                  <a:srgbClr val="080808"/>
+                </a:solidFill>
+                <a:effectLst/>
+                <a:latin typeface="JetBrains Mono"/>
+              </a:rPr>
+              <a:t>, </a:t>
+            </a:r>
+            <a:r>
+              <a:rPr lang="en-US" sz="1800" dirty="0">
+                <a:solidFill>
+                  <a:srgbClr val="067D17"/>
+                </a:solidFill>
+                <a:effectLst/>
+                <a:latin typeface="JetBrains Mono"/>
+              </a:rPr>
+              <a:t>'ProgressionStructure1’</a:t>
+            </a:r>
+            <a:endParaRPr lang="en-US" sz="1800" dirty="0">
+              <a:solidFill>
+                <a:srgbClr val="080808"/>
+              </a:solidFill>
+              <a:effectLst/>
+              <a:latin typeface="JetBrains Mono"/>
+            </a:endParaRPr>
+          </a:p>
+          <a:p>
+            <a:r>
+              <a:rPr lang="en-US" sz="2200" dirty="0">
+                <a:solidFill>
+                  <a:srgbClr val="080808"/>
+                </a:solidFill>
+                <a:latin typeface="JetBrains Mono"/>
+              </a:rPr>
+              <a:t>Results:</a:t>
+            </a:r>
+          </a:p>
+          <a:p>
+            <a:pPr lvl="1"/>
+            <a:r>
+              <a:rPr lang="en-US" sz="1800" dirty="0">
+                <a:solidFill>
+                  <a:srgbClr val="080808"/>
+                </a:solidFill>
+                <a:effectLst/>
+                <a:latin typeface="JetBrains Mono"/>
+              </a:rPr>
+              <a:t>Accuracy Score: 0.704</a:t>
+            </a:r>
+          </a:p>
+          <a:p>
+            <a:pPr lvl="1"/>
+            <a:r>
+              <a:rPr lang="en-US" sz="1800" dirty="0">
+                <a:solidFill>
+                  <a:srgbClr val="080808"/>
+                </a:solidFill>
+                <a:effectLst/>
+                <a:latin typeface="JetBrains Mono"/>
+              </a:rPr>
+              <a:t>Precision Score: 0.6521739130434783</a:t>
+            </a:r>
+          </a:p>
+          <a:p>
+            <a:pPr lvl="1"/>
+            <a:r>
+              <a:rPr lang="en-US" sz="1800" dirty="0">
+                <a:solidFill>
+                  <a:srgbClr val="080808"/>
+                </a:solidFill>
+                <a:effectLst/>
+                <a:latin typeface="JetBrains Mono"/>
+              </a:rPr>
+              <a:t>Recall Score: 0.9230769230769231</a:t>
+            </a:r>
+          </a:p>
+        </p:txBody>
+      </p:sp>
+      <p:pic>
+        <p:nvPicPr>
+          <p:cNvPr id="4" name="Picture 3" descr="A diagram of a confusion matrix&#10;&#10;Description automatically generated">
+            <a:extLst>
+              <a:ext uri="{FF2B5EF4-FFF2-40B4-BE49-F238E27FC236}">
+                <a16:creationId xmlns:a16="http://schemas.microsoft.com/office/drawing/2014/main" id="{7E1C6E4B-322F-5F21-C6CE-21B3D888D057}"/>
+              </a:ext>
+            </a:extLst>
+          </p:cNvPr>
+          <p:cNvPicPr>
+            <a:picLocks noChangeAspect="1"/>
+          </p:cNvPicPr>
+          <p:nvPr/>
+        </p:nvPicPr>
+        <p:blipFill>
+          <a:blip r:embed="rId3"/>
+          <a:stretch>
+            <a:fillRect/>
+          </a:stretch>
+        </p:blipFill>
+        <p:spPr>
+          <a:xfrm>
+            <a:off x="5653158" y="954157"/>
+            <a:ext cx="7121939" cy="5341454"/>
+          </a:xfrm>
+          <a:prstGeom prst="rect">
+            <a:avLst/>
+          </a:prstGeom>
+        </p:spPr>
+      </p:pic>
     </p:spTree>
     <p:extLst>
       <p:ext uri="{BB962C8B-B14F-4D97-AF65-F5344CB8AC3E}">
         <p14:creationId xmlns:p14="http://schemas.microsoft.com/office/powerpoint/2010/main" val="3461149534"/>
+      </p:ext>
+    </p:extLst>
+  </p:cSld>
+  <p:clrMapOvr>
+    <a:masterClrMapping/>
+  </p:clrMapOvr>
+</p:sld>
+</file>
+
+<file path=ppt/slides/slide6.xml><?xml version="1.0" encoding="utf-8"?>
+<p:sld xmlns:a="http://schemas.openxmlformats.org/drawingml/2006/main" xmlns:r="http://schemas.openxmlformats.org/officeDocument/2006/relationships" xmlns:p="http://schemas.openxmlformats.org/presentationml/2006/main">
+  <p:cSld>
+    <p:spTree>
+      <p:nvGrpSpPr>
+        <p:cNvPr id="1" name=""/>
+        <p:cNvGrpSpPr/>
+        <p:nvPr/>
+      </p:nvGrpSpPr>
+      <p:grpSpPr>
+        <a:xfrm>
+          <a:off x="0" y="0"/>
+          <a:ext cx="0" cy="0"/>
+          <a:chOff x="0" y="0"/>
+          <a:chExt cx="0" cy="0"/>
+        </a:xfrm>
+      </p:grpSpPr>
+      <p:sp>
+        <p:nvSpPr>
+          <p:cNvPr id="2" name="Title 1">
+            <a:extLst>
+              <a:ext uri="{FF2B5EF4-FFF2-40B4-BE49-F238E27FC236}">
+                <a16:creationId xmlns:a16="http://schemas.microsoft.com/office/drawing/2014/main" id="{76DEBD07-5564-FA5D-15CB-888E60F4D70E}"/>
+              </a:ext>
+            </a:extLst>
+          </p:cNvPr>
+          <p:cNvSpPr>
+            <a:spLocks noGrp="1"/>
+          </p:cNvSpPr>
+          <p:nvPr>
+            <p:ph type="title"/>
+          </p:nvPr>
+        </p:nvSpPr>
+        <p:spPr>
+          <a:xfrm>
+            <a:off x="565150" y="330078"/>
+            <a:ext cx="4735721" cy="902375"/>
+          </a:xfrm>
+        </p:spPr>
+        <p:txBody>
+          <a:bodyPr/>
+          <a:lstStyle/>
+          <a:p>
+            <a:r>
+              <a:rPr lang="en-US" dirty="0"/>
+              <a:t>Experiment Cont.</a:t>
+            </a:r>
+          </a:p>
+        </p:txBody>
+      </p:sp>
+      <p:sp>
+        <p:nvSpPr>
+          <p:cNvPr id="3" name="Content Placeholder 2">
+            <a:extLst>
+              <a:ext uri="{FF2B5EF4-FFF2-40B4-BE49-F238E27FC236}">
+                <a16:creationId xmlns:a16="http://schemas.microsoft.com/office/drawing/2014/main" id="{738E3859-6C76-BA95-8C88-144CE83F4B3B}"/>
+              </a:ext>
+            </a:extLst>
+          </p:cNvPr>
+          <p:cNvSpPr>
+            <a:spLocks noGrp="1"/>
+          </p:cNvSpPr>
+          <p:nvPr>
+            <p:ph idx="1"/>
+          </p:nvPr>
+        </p:nvSpPr>
+        <p:spPr>
+          <a:xfrm>
+            <a:off x="353115" y="1498942"/>
+            <a:ext cx="5385076" cy="5221357"/>
+          </a:xfrm>
+        </p:spPr>
+        <p:txBody>
+          <a:bodyPr>
+            <a:normAutofit/>
+          </a:bodyPr>
+          <a:lstStyle/>
+          <a:p>
+            <a:r>
+              <a:rPr lang="en-US" dirty="0"/>
+              <a:t>Full covariance matrix in RBF gives strange loss over time</a:t>
+            </a:r>
+          </a:p>
+          <a:p>
+            <a:pPr lvl="1"/>
+            <a:r>
+              <a:rPr lang="en-US" dirty="0"/>
+              <a:t>Overfitting?</a:t>
+            </a:r>
+          </a:p>
+          <a:p>
+            <a:pPr lvl="1"/>
+            <a:r>
+              <a:rPr lang="en-US" dirty="0"/>
+              <a:t>Error in code?</a:t>
+            </a:r>
+          </a:p>
+          <a:p>
+            <a:r>
+              <a:rPr lang="en-US" dirty="0"/>
+              <a:t>With this, the test set has unstable results, as they change from run to run even with the same parameters (</a:t>
+            </a:r>
+            <a:r>
+              <a:rPr lang="en-US" dirty="0">
+                <a:solidFill>
+                  <a:srgbClr val="FF0000"/>
+                </a:solidFill>
+              </a:rPr>
+              <a:t>using the other covariance modes gives more stable results</a:t>
+            </a:r>
+            <a:r>
+              <a:rPr lang="en-US" dirty="0"/>
+              <a:t>) </a:t>
+            </a:r>
+          </a:p>
+          <a:p>
+            <a:r>
+              <a:rPr lang="en-US" dirty="0"/>
+              <a:t>(Increased epochs to demonstrate the behavior)</a:t>
+            </a:r>
+          </a:p>
+        </p:txBody>
+      </p:sp>
+      <p:pic>
+        <p:nvPicPr>
+          <p:cNvPr id="5" name="Picture 4" descr="A graph of training loss&#10;&#10;Description automatically generated">
+            <a:extLst>
+              <a:ext uri="{FF2B5EF4-FFF2-40B4-BE49-F238E27FC236}">
+                <a16:creationId xmlns:a16="http://schemas.microsoft.com/office/drawing/2014/main" id="{6DB6F16C-26CA-C37A-4CBD-C4C6BB2D7CFC}"/>
+              </a:ext>
+            </a:extLst>
+          </p:cNvPr>
+          <p:cNvPicPr>
+            <a:picLocks noChangeAspect="1"/>
+          </p:cNvPicPr>
+          <p:nvPr/>
+        </p:nvPicPr>
+        <p:blipFill>
+          <a:blip r:embed="rId2"/>
+          <a:stretch>
+            <a:fillRect/>
+          </a:stretch>
+        </p:blipFill>
+        <p:spPr>
+          <a:xfrm>
+            <a:off x="5353878" y="940904"/>
+            <a:ext cx="6838122" cy="5221357"/>
+          </a:xfrm>
+          <a:prstGeom prst="rect">
+            <a:avLst/>
+          </a:prstGeom>
+        </p:spPr>
+      </p:pic>
+    </p:spTree>
+    <p:extLst>
+      <p:ext uri="{BB962C8B-B14F-4D97-AF65-F5344CB8AC3E}">
+        <p14:creationId xmlns:p14="http://schemas.microsoft.com/office/powerpoint/2010/main" val="1627240498"/>
       </p:ext>
     </p:extLst>
   </p:cSld>
